--- a/storage/MEP_BOP.pptx
+++ b/storage/MEP_BOP.pptx
@@ -8,9 +8,14 @@
     <p:sldId id="256" r:id="rId2"/>
     <p:sldId id="257" r:id="rId3"/>
     <p:sldId id="258" r:id="rId4"/>
+    <p:sldId id="259" r:id="rId5"/>
+    <p:sldId id="260" r:id="rId6"/>
+    <p:sldId id="261" r:id="rId7"/>
+    <p:sldId id="262" r:id="rId8"/>
+    <p:sldId id="263" r:id="rId9"/>
   </p:sldIdLst>
   <p:notesMasterIdLst>
-    <p:notesMasterId r:id="rId5"/>
+    <p:notesMasterId r:id="rId10"/>
   </p:notesMasterIdLst>
   <p:sldSz cx="9144000" cy="5143500"/>
   <p:notesSz cx="5143500" cy="9144000"/>
@@ -722,6 +727,446 @@
 </p:notes>
 </file>
 
+<file path=ppt/notesSlides/notesSlide4.xml><?xml version="1.0" encoding="utf-8"?>
+<p:notes xmlns:a="http://schemas.openxmlformats.org/drawingml/2006/main" xmlns:r="http://schemas.openxmlformats.org/officeDocument/2006/relationships" xmlns:p="http://schemas.openxmlformats.org/presentationml/2006/main">
+  <p:cSld>
+    <p:spTree>
+      <p:nvGrpSpPr>
+        <p:cNvPr id="1" name=""/>
+        <p:cNvGrpSpPr/>
+        <p:nvPr/>
+      </p:nvGrpSpPr>
+      <p:grpSpPr>
+        <a:xfrm>
+          <a:off x="0" y="0"/>
+          <a:ext cx="0" cy="0"/>
+          <a:chOff x="0" y="0"/>
+          <a:chExt cx="0" cy="0"/>
+        </a:xfrm>
+      </p:grpSpPr>
+      <p:sp>
+        <p:nvSpPr>
+          <p:cNvPr id="2" name="Slide Image Placeholder 1"/>
+          <p:cNvSpPr>
+            <a:spLocks noGrp="1" noRot="1" noChangeAspect="1"/>
+          </p:cNvSpPr>
+          <p:nvPr>
+            <p:ph type="sldImg"/>
+          </p:nvPr>
+        </p:nvSpPr>
+        <p:spPr/>
+      </p:sp>
+      <p:sp>
+        <p:nvSpPr>
+          <p:cNvPr id="3" name="Notes Placeholder 2"/>
+          <p:cNvSpPr>
+            <a:spLocks noGrp="1"/>
+          </p:cNvSpPr>
+          <p:nvPr>
+            <p:ph type="body" idx="1"/>
+          </p:nvPr>
+        </p:nvSpPr>
+        <p:spPr/>
+        <p:txBody>
+          <a:bodyPr/>
+          <a:lstStyle/>
+          <a:p>
+            <a:r>
+              <a:rPr lang="en-US" dirty="0"/>
+              <a:t/>
+            </a:r>
+            <a:endParaRPr lang="en-US" dirty="0"/>
+          </a:p>
+        </p:txBody>
+      </p:sp>
+      <p:sp>
+        <p:nvSpPr>
+          <p:cNvPr id="4" name="Slide Number Placeholder 3"/>
+          <p:cNvSpPr>
+            <a:spLocks noGrp="1"/>
+          </p:cNvSpPr>
+          <p:nvPr>
+            <p:ph type="sldNum" sz="quarter" idx="10"/>
+          </p:nvPr>
+        </p:nvSpPr>
+        <p:spPr/>
+        <p:txBody>
+          <a:bodyPr/>
+          <a:lstStyle/>
+          <a:p>
+            <a:fld id="{F7021451-1387-4CA6-816F-3879F97B5CBC}" type="slidenum">
+              <a:rPr lang="en-US"/>
+              <a:t>4</a:t>
+            </a:fld>
+            <a:endParaRPr lang="en-US"/>
+          </a:p>
+        </p:txBody>
+      </p:sp>
+    </p:spTree>
+    <p:extLst>
+      <p:ext uri="{BB962C8B-B14F-4D97-AF65-F5344CB8AC3E}">
+        <p14:creationId xmlns:p14="http://schemas.microsoft.com/office/powerpoint/2010/main" val="1024086991"/>
+      </p:ext>
+    </p:extLst>
+  </p:cSld>
+  <p:clrMapOvr>
+    <a:masterClrMapping/>
+  </p:clrMapOvr>
+</p:notes>
+</file>
+
+<file path=ppt/notesSlides/notesSlide5.xml><?xml version="1.0" encoding="utf-8"?>
+<p:notes xmlns:a="http://schemas.openxmlformats.org/drawingml/2006/main" xmlns:r="http://schemas.openxmlformats.org/officeDocument/2006/relationships" xmlns:p="http://schemas.openxmlformats.org/presentationml/2006/main">
+  <p:cSld>
+    <p:spTree>
+      <p:nvGrpSpPr>
+        <p:cNvPr id="1" name=""/>
+        <p:cNvGrpSpPr/>
+        <p:nvPr/>
+      </p:nvGrpSpPr>
+      <p:grpSpPr>
+        <a:xfrm>
+          <a:off x="0" y="0"/>
+          <a:ext cx="0" cy="0"/>
+          <a:chOff x="0" y="0"/>
+          <a:chExt cx="0" cy="0"/>
+        </a:xfrm>
+      </p:grpSpPr>
+      <p:sp>
+        <p:nvSpPr>
+          <p:cNvPr id="2" name="Slide Image Placeholder 1"/>
+          <p:cNvSpPr>
+            <a:spLocks noGrp="1" noRot="1" noChangeAspect="1"/>
+          </p:cNvSpPr>
+          <p:nvPr>
+            <p:ph type="sldImg"/>
+          </p:nvPr>
+        </p:nvSpPr>
+        <p:spPr/>
+      </p:sp>
+      <p:sp>
+        <p:nvSpPr>
+          <p:cNvPr id="3" name="Notes Placeholder 2"/>
+          <p:cNvSpPr>
+            <a:spLocks noGrp="1"/>
+          </p:cNvSpPr>
+          <p:nvPr>
+            <p:ph type="body" idx="1"/>
+          </p:nvPr>
+        </p:nvSpPr>
+        <p:spPr/>
+        <p:txBody>
+          <a:bodyPr/>
+          <a:lstStyle/>
+          <a:p>
+            <a:r>
+              <a:rPr lang="en-US" dirty="0"/>
+              <a:t/>
+            </a:r>
+            <a:endParaRPr lang="en-US" dirty="0"/>
+          </a:p>
+        </p:txBody>
+      </p:sp>
+      <p:sp>
+        <p:nvSpPr>
+          <p:cNvPr id="4" name="Slide Number Placeholder 3"/>
+          <p:cNvSpPr>
+            <a:spLocks noGrp="1"/>
+          </p:cNvSpPr>
+          <p:nvPr>
+            <p:ph type="sldNum" sz="quarter" idx="10"/>
+          </p:nvPr>
+        </p:nvSpPr>
+        <p:spPr/>
+        <p:txBody>
+          <a:bodyPr/>
+          <a:lstStyle/>
+          <a:p>
+            <a:fld id="{F7021451-1387-4CA6-816F-3879F97B5CBC}" type="slidenum">
+              <a:rPr lang="en-US"/>
+              <a:t>5</a:t>
+            </a:fld>
+            <a:endParaRPr lang="en-US"/>
+          </a:p>
+        </p:txBody>
+      </p:sp>
+    </p:spTree>
+    <p:extLst>
+      <p:ext uri="{BB962C8B-B14F-4D97-AF65-F5344CB8AC3E}">
+        <p14:creationId xmlns:p14="http://schemas.microsoft.com/office/powerpoint/2010/main" val="1024086991"/>
+      </p:ext>
+    </p:extLst>
+  </p:cSld>
+  <p:clrMapOvr>
+    <a:masterClrMapping/>
+  </p:clrMapOvr>
+</p:notes>
+</file>
+
+<file path=ppt/notesSlides/notesSlide6.xml><?xml version="1.0" encoding="utf-8"?>
+<p:notes xmlns:a="http://schemas.openxmlformats.org/drawingml/2006/main" xmlns:r="http://schemas.openxmlformats.org/officeDocument/2006/relationships" xmlns:p="http://schemas.openxmlformats.org/presentationml/2006/main">
+  <p:cSld>
+    <p:spTree>
+      <p:nvGrpSpPr>
+        <p:cNvPr id="1" name=""/>
+        <p:cNvGrpSpPr/>
+        <p:nvPr/>
+      </p:nvGrpSpPr>
+      <p:grpSpPr>
+        <a:xfrm>
+          <a:off x="0" y="0"/>
+          <a:ext cx="0" cy="0"/>
+          <a:chOff x="0" y="0"/>
+          <a:chExt cx="0" cy="0"/>
+        </a:xfrm>
+      </p:grpSpPr>
+      <p:sp>
+        <p:nvSpPr>
+          <p:cNvPr id="2" name="Slide Image Placeholder 1"/>
+          <p:cNvSpPr>
+            <a:spLocks noGrp="1" noRot="1" noChangeAspect="1"/>
+          </p:cNvSpPr>
+          <p:nvPr>
+            <p:ph type="sldImg"/>
+          </p:nvPr>
+        </p:nvSpPr>
+        <p:spPr/>
+      </p:sp>
+      <p:sp>
+        <p:nvSpPr>
+          <p:cNvPr id="3" name="Notes Placeholder 2"/>
+          <p:cNvSpPr>
+            <a:spLocks noGrp="1"/>
+          </p:cNvSpPr>
+          <p:nvPr>
+            <p:ph type="body" idx="1"/>
+          </p:nvPr>
+        </p:nvSpPr>
+        <p:spPr/>
+        <p:txBody>
+          <a:bodyPr/>
+          <a:lstStyle/>
+          <a:p>
+            <a:r>
+              <a:rPr lang="en-US" dirty="0"/>
+              <a:t/>
+            </a:r>
+            <a:endParaRPr lang="en-US" dirty="0"/>
+          </a:p>
+        </p:txBody>
+      </p:sp>
+      <p:sp>
+        <p:nvSpPr>
+          <p:cNvPr id="4" name="Slide Number Placeholder 3"/>
+          <p:cNvSpPr>
+            <a:spLocks noGrp="1"/>
+          </p:cNvSpPr>
+          <p:nvPr>
+            <p:ph type="sldNum" sz="quarter" idx="10"/>
+          </p:nvPr>
+        </p:nvSpPr>
+        <p:spPr/>
+        <p:txBody>
+          <a:bodyPr/>
+          <a:lstStyle/>
+          <a:p>
+            <a:fld id="{F7021451-1387-4CA6-816F-3879F97B5CBC}" type="slidenum">
+              <a:rPr lang="en-US"/>
+              <a:t>6</a:t>
+            </a:fld>
+            <a:endParaRPr lang="en-US"/>
+          </a:p>
+        </p:txBody>
+      </p:sp>
+    </p:spTree>
+    <p:extLst>
+      <p:ext uri="{BB962C8B-B14F-4D97-AF65-F5344CB8AC3E}">
+        <p14:creationId xmlns:p14="http://schemas.microsoft.com/office/powerpoint/2010/main" val="1024086991"/>
+      </p:ext>
+    </p:extLst>
+  </p:cSld>
+  <p:clrMapOvr>
+    <a:masterClrMapping/>
+  </p:clrMapOvr>
+</p:notes>
+</file>
+
+<file path=ppt/notesSlides/notesSlide7.xml><?xml version="1.0" encoding="utf-8"?>
+<p:notes xmlns:a="http://schemas.openxmlformats.org/drawingml/2006/main" xmlns:r="http://schemas.openxmlformats.org/officeDocument/2006/relationships" xmlns:p="http://schemas.openxmlformats.org/presentationml/2006/main">
+  <p:cSld>
+    <p:spTree>
+      <p:nvGrpSpPr>
+        <p:cNvPr id="1" name=""/>
+        <p:cNvGrpSpPr/>
+        <p:nvPr/>
+      </p:nvGrpSpPr>
+      <p:grpSpPr>
+        <a:xfrm>
+          <a:off x="0" y="0"/>
+          <a:ext cx="0" cy="0"/>
+          <a:chOff x="0" y="0"/>
+          <a:chExt cx="0" cy="0"/>
+        </a:xfrm>
+      </p:grpSpPr>
+      <p:sp>
+        <p:nvSpPr>
+          <p:cNvPr id="2" name="Slide Image Placeholder 1"/>
+          <p:cNvSpPr>
+            <a:spLocks noGrp="1" noRot="1" noChangeAspect="1"/>
+          </p:cNvSpPr>
+          <p:nvPr>
+            <p:ph type="sldImg"/>
+          </p:nvPr>
+        </p:nvSpPr>
+        <p:spPr/>
+      </p:sp>
+      <p:sp>
+        <p:nvSpPr>
+          <p:cNvPr id="3" name="Notes Placeholder 2"/>
+          <p:cNvSpPr>
+            <a:spLocks noGrp="1"/>
+          </p:cNvSpPr>
+          <p:nvPr>
+            <p:ph type="body" idx="1"/>
+          </p:nvPr>
+        </p:nvSpPr>
+        <p:spPr/>
+        <p:txBody>
+          <a:bodyPr/>
+          <a:lstStyle/>
+          <a:p>
+            <a:r>
+              <a:rPr lang="en-US" dirty="0"/>
+              <a:t/>
+            </a:r>
+            <a:endParaRPr lang="en-US" dirty="0"/>
+          </a:p>
+        </p:txBody>
+      </p:sp>
+      <p:sp>
+        <p:nvSpPr>
+          <p:cNvPr id="4" name="Slide Number Placeholder 3"/>
+          <p:cNvSpPr>
+            <a:spLocks noGrp="1"/>
+          </p:cNvSpPr>
+          <p:nvPr>
+            <p:ph type="sldNum" sz="quarter" idx="10"/>
+          </p:nvPr>
+        </p:nvSpPr>
+        <p:spPr/>
+        <p:txBody>
+          <a:bodyPr/>
+          <a:lstStyle/>
+          <a:p>
+            <a:fld id="{F7021451-1387-4CA6-816F-3879F97B5CBC}" type="slidenum">
+              <a:rPr lang="en-US"/>
+              <a:t>7</a:t>
+            </a:fld>
+            <a:endParaRPr lang="en-US"/>
+          </a:p>
+        </p:txBody>
+      </p:sp>
+    </p:spTree>
+    <p:extLst>
+      <p:ext uri="{BB962C8B-B14F-4D97-AF65-F5344CB8AC3E}">
+        <p14:creationId xmlns:p14="http://schemas.microsoft.com/office/powerpoint/2010/main" val="1024086991"/>
+      </p:ext>
+    </p:extLst>
+  </p:cSld>
+  <p:clrMapOvr>
+    <a:masterClrMapping/>
+  </p:clrMapOvr>
+</p:notes>
+</file>
+
+<file path=ppt/notesSlides/notesSlide8.xml><?xml version="1.0" encoding="utf-8"?>
+<p:notes xmlns:a="http://schemas.openxmlformats.org/drawingml/2006/main" xmlns:r="http://schemas.openxmlformats.org/officeDocument/2006/relationships" xmlns:p="http://schemas.openxmlformats.org/presentationml/2006/main">
+  <p:cSld>
+    <p:spTree>
+      <p:nvGrpSpPr>
+        <p:cNvPr id="1" name=""/>
+        <p:cNvGrpSpPr/>
+        <p:nvPr/>
+      </p:nvGrpSpPr>
+      <p:grpSpPr>
+        <a:xfrm>
+          <a:off x="0" y="0"/>
+          <a:ext cx="0" cy="0"/>
+          <a:chOff x="0" y="0"/>
+          <a:chExt cx="0" cy="0"/>
+        </a:xfrm>
+      </p:grpSpPr>
+      <p:sp>
+        <p:nvSpPr>
+          <p:cNvPr id="2" name="Slide Image Placeholder 1"/>
+          <p:cNvSpPr>
+            <a:spLocks noGrp="1" noRot="1" noChangeAspect="1"/>
+          </p:cNvSpPr>
+          <p:nvPr>
+            <p:ph type="sldImg"/>
+          </p:nvPr>
+        </p:nvSpPr>
+        <p:spPr/>
+      </p:sp>
+      <p:sp>
+        <p:nvSpPr>
+          <p:cNvPr id="3" name="Notes Placeholder 2"/>
+          <p:cNvSpPr>
+            <a:spLocks noGrp="1"/>
+          </p:cNvSpPr>
+          <p:nvPr>
+            <p:ph type="body" idx="1"/>
+          </p:nvPr>
+        </p:nvSpPr>
+        <p:spPr/>
+        <p:txBody>
+          <a:bodyPr/>
+          <a:lstStyle/>
+          <a:p>
+            <a:r>
+              <a:rPr lang="en-US" dirty="0"/>
+              <a:t/>
+            </a:r>
+            <a:endParaRPr lang="en-US" dirty="0"/>
+          </a:p>
+        </p:txBody>
+      </p:sp>
+      <p:sp>
+        <p:nvSpPr>
+          <p:cNvPr id="4" name="Slide Number Placeholder 3"/>
+          <p:cNvSpPr>
+            <a:spLocks noGrp="1"/>
+          </p:cNvSpPr>
+          <p:nvPr>
+            <p:ph type="sldNum" sz="quarter" idx="10"/>
+          </p:nvPr>
+        </p:nvSpPr>
+        <p:spPr/>
+        <p:txBody>
+          <a:bodyPr/>
+          <a:lstStyle/>
+          <a:p>
+            <a:fld id="{F7021451-1387-4CA6-816F-3879F97B5CBC}" type="slidenum">
+              <a:rPr lang="en-US"/>
+              <a:t>8</a:t>
+            </a:fld>
+            <a:endParaRPr lang="en-US"/>
+          </a:p>
+        </p:txBody>
+      </p:sp>
+    </p:spTree>
+    <p:extLst>
+      <p:ext uri="{BB962C8B-B14F-4D97-AF65-F5344CB8AC3E}">
+        <p14:creationId xmlns:p14="http://schemas.microsoft.com/office/powerpoint/2010/main" val="1024086991"/>
+      </p:ext>
+    </p:extLst>
+  </p:cSld>
+  <p:clrMapOvr>
+    <a:masterClrMapping/>
+  </p:clrMapOvr>
+</p:notes>
+</file>
+
 <file path=ppt/slideLayouts/slideLayout1.xml><?xml version="1.0" encoding="utf-8"?>
 <p:sldLayout xmlns:a="http://schemas.openxmlformats.org/drawingml/2006/main" xmlns:r="http://schemas.openxmlformats.org/officeDocument/2006/relationships" xmlns:p="http://schemas.openxmlformats.org/presentationml/2006/main" preserve="1">
   <p:cSld name="DEFAULT">
@@ -1061,7 +1506,7 @@
             <a:avLst/>
           </a:prstGeom>
           <a:solidFill>
-            <a:srgbClr val="4A90E2"/>
+            <a:srgbClr val="9013FE"/>
           </a:solidFill>
           <a:ln/>
         </p:spPr>
@@ -1091,20 +1536,20 @@
               <a:buNone/>
             </a:pPr>
             <a:r>
-              <a:rPr lang="en-US" sz="2400" b="1" dirty="0">
+              <a:rPr lang="en-US" sz="2190" b="1" dirty="0">
                 <a:solidFill>
                   <a:srgbClr val="FFFFFF"/>
                 </a:solidFill>
               </a:rPr>
-              <a:t>Я самый красивый человек</a:t>
-            </a:r>
-            <a:endParaRPr lang="en-US" sz="2400" dirty="0"/>
+              <a:t>Павел Дуров: Путь от ВКонтакте до Telegram</a:t>
+            </a:r>
+            <a:endParaRPr lang="en-US" sz="2190" dirty="0"/>
           </a:p>
         </p:txBody>
       </p:sp>
       <p:pic>
         <p:nvPicPr>
-          <p:cNvPr id="4" name="Image 0" descr="C:\Users\igoru\WebStormProject\presentationBot\pictures\logo.jpg">    </p:cNvPr>
+          <p:cNvPr id="4" name="Image 0" descr="C:\Users\igoru\WebStormProject\TelegramBotPresintation\pictures\logo.png">    </p:cNvPr>
           <p:cNvPicPr>
             <a:picLocks noChangeAspect="1"/>
           </p:cNvPicPr>
@@ -1151,19 +1596,12 @@
           <a:chExt cx="0" cy="0"/>
         </a:xfrm>
       </p:grpSpPr>
-      <p:pic>
-        <p:nvPicPr>
-          <p:cNvPr id="2" name="Image 0" descr="C:\Users\igoru\WebStormProject\presentationBot\pictures\AgACAgIAAxkBAAIUGGcwxzi9B8vQEVp72CpPyIlShLRhAAJD6jEbo2uASRDLU89qii3MAQADAgADeQADNgQ.jpg">    </p:cNvPr>
-          <p:cNvPicPr>
-            <a:picLocks noChangeAspect="1"/>
-          </p:cNvPicPr>
+      <p:sp>
+        <p:nvSpPr>
+          <p:cNvPr id="2" name="Shape 0"/>
+          <p:cNvSpPr/>
           <p:nvPr/>
-        </p:nvPicPr>
-        <p:blipFill>
-          <a:blip r:embed="rId1"/>
-          <a:srcRect l="0" r="0" t="0" b="0"/>
-          <a:stretch/>
-        </p:blipFill>
+        </p:nvSpPr>
         <p:spPr>
           <a:xfrm>
             <a:off x="0" y="0"/>
@@ -1172,33 +1610,15 @@
           <a:prstGeom prst="rect">
             <a:avLst/>
           </a:prstGeom>
-        </p:spPr>
-      </p:pic>
-      <p:sp>
-        <p:nvSpPr>
-          <p:cNvPr id="3" name="Shape 0"/>
-          <p:cNvSpPr/>
-          <p:nvPr/>
-        </p:nvSpPr>
-        <p:spPr>
-          <a:xfrm>
-            <a:off x="0" y="0"/>
-            <a:ext cx="9144000" cy="5143500"/>
-          </a:xfrm>
-          <a:prstGeom prst="rect">
-            <a:avLst/>
-          </a:prstGeom>
-          <a:solidFill>
-            <a:srgbClr val="4A90E2">
-              <a:alpha val="50000"/>
-            </a:srgbClr>
+          <a:solidFill>
+            <a:srgbClr val="9013FE"/>
           </a:solidFill>
           <a:ln/>
         </p:spPr>
       </p:sp>
       <p:sp>
         <p:nvSpPr>
-          <p:cNvPr id="4" name="Text 1"/>
+          <p:cNvPr id="3" name="Text 1"/>
           <p:cNvSpPr/>
           <p:nvPr/>
         </p:nvSpPr>
@@ -1226,7 +1646,7 @@
                   <a:srgbClr val="FFFFFF"/>
                 </a:solidFill>
               </a:rPr>
-              <a:t>Ну вообще дерьмо собачье</a:t>
+              <a:t>Ранние годы и образование</a:t>
             </a:r>
             <a:endParaRPr lang="en-US" sz="1500" dirty="0"/>
           </a:p>
@@ -1234,7 +1654,7 @@
       </p:sp>
       <p:sp>
         <p:nvSpPr>
-          <p:cNvPr id="5" name="Text 2"/>
+          <p:cNvPr id="4" name="Text 2"/>
           <p:cNvSpPr/>
           <p:nvPr/>
         </p:nvSpPr>
@@ -1257,14 +1677,14 @@
               <a:buNone/>
             </a:pPr>
             <a:r>
-              <a:rPr lang="en-US" sz="1400" dirty="0">
+              <a:rPr lang="en-US" sz="1143" dirty="0">
                 <a:solidFill>
                   <a:srgbClr val="FFFFFF"/>
                 </a:solidFill>
               </a:rPr>
-              <a:t>Как думаешь, ты тупой?</a:t>
-            </a:r>
-            <a:endParaRPr lang="en-US" sz="1400" dirty="0"/>
+              <a:t>Павел Валерьевич Дуров родился 10 октября 1984 года в Ленинграде.  Его отец, Валерий Дуров, был профессором Санкт-Петербургского государственного университета, что, несомненно, повлияло на формирование интереса Павла к технологиям и образованию.  Он получил образование в престижной Академической гимназии, а затем поступил в Санкт-Петербургский государственный университет на факультет филологии,  продемонстрировав выдающиеся способности в области программирования еще во время учебы.  Уже тогда он проявил себя как талантливый разработчик, создавая различные проекты и участвуя в программистских олимпиадах.  Его стремление к инновациям и независимости  заложило основу для его будущих достижений.</a:t>
+            </a:r>
+            <a:endParaRPr lang="en-US" sz="1143" dirty="0"/>
           </a:p>
         </p:txBody>
       </p:sp>
@@ -1308,7 +1728,7 @@
             <a:avLst/>
           </a:prstGeom>
           <a:solidFill>
-            <a:srgbClr val="4A90E2"/>
+            <a:srgbClr val="9013FE"/>
           </a:solidFill>
           <a:ln/>
         </p:spPr>
@@ -1343,7 +1763,7 @@
                   <a:srgbClr val="FFFFFF"/>
                 </a:solidFill>
               </a:rPr>
-              <a:t>Кирилл потный</a:t>
+              <a:t>Создание ВКонтакте и его взлет</a:t>
             </a:r>
             <a:endParaRPr lang="en-US" sz="1500" dirty="0"/>
           </a:p>
@@ -1374,14 +1794,599 @@
               <a:buNone/>
             </a:pPr>
             <a:r>
-              <a:rPr lang="en-US" sz="1400" dirty="0">
+              <a:rPr lang="en-US" sz="1128" dirty="0">
                 <a:solidFill>
                   <a:srgbClr val="FFFFFF"/>
                 </a:solidFill>
               </a:rPr>
-              <a:t>Я не знаю что писать (</a:t>
-            </a:r>
-            <a:endParaRPr lang="en-US" sz="1400" dirty="0"/>
+              <a:t>В 2006 году Павел Дуров вместе со своим братом Николаем основал социальную сеть ВКонтакте.  Идея создания  национальной социальной сети, которая бы конкурировала с зарубежными аналогами,  была очень амбициозной.  Благодаря инновационному подходу к дизайну и функциональности, а также грамотной маркетинговой стратегии,  ВКонтакте быстро завоевала огромную популярность в России и странах СНГ.  За короткий срок она стала одной из крупнейших социальных сетей в мире,  собирая миллионы пользователей.  Успех ВКонтакте был обусловлен  не только технической составляющей, но и умением Дурова  чувствовать потребности аудитории и создавать продукт, который действительно ей нравится. Эта платформа стала не просто средством общения, но и настоящей культурной и информационной площадкой.</a:t>
+            </a:r>
+            <a:endParaRPr lang="en-US" sz="1128" dirty="0"/>
+          </a:p>
+        </p:txBody>
+      </p:sp>
+    </p:spTree>
+  </p:cSld>
+  <p:clrMapOvr>
+    <a:masterClrMapping/>
+  </p:clrMapOvr>
+</p:sld>
+</file>
+
+<file path=ppt/slides/slide4.xml><?xml version="1.0" encoding="utf-8"?>
+<p:sld xmlns:a="http://schemas.openxmlformats.org/drawingml/2006/main" xmlns:r="http://schemas.openxmlformats.org/officeDocument/2006/relationships" xmlns:p="http://schemas.openxmlformats.org/presentationml/2006/main">
+  <p:cSld name="Slide 4">
+    <p:spTree>
+      <p:nvGrpSpPr>
+        <p:cNvPr id="1" name=""/>
+        <p:cNvGrpSpPr/>
+        <p:nvPr/>
+      </p:nvGrpSpPr>
+      <p:grpSpPr>
+        <a:xfrm>
+          <a:off x="0" y="0"/>
+          <a:ext cx="0" cy="0"/>
+          <a:chOff x="0" y="0"/>
+          <a:chExt cx="0" cy="0"/>
+        </a:xfrm>
+      </p:grpSpPr>
+      <p:sp>
+        <p:nvSpPr>
+          <p:cNvPr id="2" name="Shape 0"/>
+          <p:cNvSpPr/>
+          <p:nvPr/>
+        </p:nvSpPr>
+        <p:spPr>
+          <a:xfrm>
+            <a:off x="0" y="0"/>
+            <a:ext cx="9144000" cy="5143500"/>
+          </a:xfrm>
+          <a:prstGeom prst="rect">
+            <a:avLst/>
+          </a:prstGeom>
+          <a:solidFill>
+            <a:srgbClr val="9013FE"/>
+          </a:solidFill>
+          <a:ln/>
+        </p:spPr>
+      </p:sp>
+      <p:sp>
+        <p:nvSpPr>
+          <p:cNvPr id="3" name="Text 1"/>
+          <p:cNvSpPr/>
+          <p:nvPr/>
+        </p:nvSpPr>
+        <p:spPr>
+          <a:xfrm>
+            <a:off x="914400" y="914400"/>
+            <a:ext cx="7315200" cy="0"/>
+          </a:xfrm>
+          <a:prstGeom prst="rect">
+            <a:avLst/>
+          </a:prstGeom>
+          <a:noFill/>
+          <a:ln/>
+        </p:spPr>
+        <p:txBody>
+          <a:bodyPr wrap="square" rtlCol="0" anchor="t"/>
+          <a:lstStyle/>
+          <a:p>
+            <a:pPr indent="0" marL="0">
+              <a:buNone/>
+            </a:pPr>
+            <a:r>
+              <a:rPr lang="en-US" sz="1500" b="1" dirty="0">
+                <a:solidFill>
+                  <a:srgbClr val="FFFFFF"/>
+                </a:solidFill>
+              </a:rPr>
+              <a:t>Конфликты и уход из ВКонтакте</a:t>
+            </a:r>
+            <a:endParaRPr lang="en-US" sz="1500" dirty="0"/>
+          </a:p>
+        </p:txBody>
+      </p:sp>
+      <p:sp>
+        <p:nvSpPr>
+          <p:cNvPr id="4" name="Text 2"/>
+          <p:cNvSpPr/>
+          <p:nvPr/>
+        </p:nvSpPr>
+        <p:spPr>
+          <a:xfrm>
+            <a:off x="914400" y="1828800"/>
+            <a:ext cx="7315200" cy="0"/>
+          </a:xfrm>
+          <a:prstGeom prst="rect">
+            <a:avLst/>
+          </a:prstGeom>
+          <a:noFill/>
+          <a:ln/>
+        </p:spPr>
+        <p:txBody>
+          <a:bodyPr wrap="square" rtlCol="0" anchor="t"/>
+          <a:lstStyle/>
+          <a:p>
+            <a:pPr indent="0" marL="0">
+              <a:buNone/>
+            </a:pPr>
+            <a:r>
+              <a:rPr lang="en-US" sz="1163" dirty="0">
+                <a:solidFill>
+                  <a:srgbClr val="FFFFFF"/>
+                </a:solidFill>
+              </a:rPr>
+              <a:t>Успех ВКонтакте привлек внимание инвесторов и властей.  Впоследствии возникли конфликты между Павлом Дуровым и руководством компании, связанные с  контролем над проектом и его дальнейшим развитием.  Дуров всегда ценил независимость и свободу слова, что не всегда совпадало с интересами акционеров и политическими реалиями.   В результате  в 2014 году он покинул пост генерального директора ВКонтакте, продав свою долю и сохранив при этом  свою репутацию  как  талантливого и независимого разработчика.  Этот уход стал поворотным моментом в его жизни и истории развития одной из крупнейших социальных сетей России.</a:t>
+            </a:r>
+            <a:endParaRPr lang="en-US" sz="1163" dirty="0"/>
+          </a:p>
+        </p:txBody>
+      </p:sp>
+    </p:spTree>
+  </p:cSld>
+  <p:clrMapOvr>
+    <a:masterClrMapping/>
+  </p:clrMapOvr>
+</p:sld>
+</file>
+
+<file path=ppt/slides/slide5.xml><?xml version="1.0" encoding="utf-8"?>
+<p:sld xmlns:a="http://schemas.openxmlformats.org/drawingml/2006/main" xmlns:r="http://schemas.openxmlformats.org/officeDocument/2006/relationships" xmlns:p="http://schemas.openxmlformats.org/presentationml/2006/main">
+  <p:cSld name="Slide 5">
+    <p:spTree>
+      <p:nvGrpSpPr>
+        <p:cNvPr id="1" name=""/>
+        <p:cNvGrpSpPr/>
+        <p:nvPr/>
+      </p:nvGrpSpPr>
+      <p:grpSpPr>
+        <a:xfrm>
+          <a:off x="0" y="0"/>
+          <a:ext cx="0" cy="0"/>
+          <a:chOff x="0" y="0"/>
+          <a:chExt cx="0" cy="0"/>
+        </a:xfrm>
+      </p:grpSpPr>
+      <p:sp>
+        <p:nvSpPr>
+          <p:cNvPr id="2" name="Shape 0"/>
+          <p:cNvSpPr/>
+          <p:nvPr/>
+        </p:nvSpPr>
+        <p:spPr>
+          <a:xfrm>
+            <a:off x="0" y="0"/>
+            <a:ext cx="9144000" cy="5143500"/>
+          </a:xfrm>
+          <a:prstGeom prst="rect">
+            <a:avLst/>
+          </a:prstGeom>
+          <a:solidFill>
+            <a:srgbClr val="9013FE"/>
+          </a:solidFill>
+          <a:ln/>
+        </p:spPr>
+      </p:sp>
+      <p:sp>
+        <p:nvSpPr>
+          <p:cNvPr id="3" name="Text 1"/>
+          <p:cNvSpPr/>
+          <p:nvPr/>
+        </p:nvSpPr>
+        <p:spPr>
+          <a:xfrm>
+            <a:off x="914400" y="914400"/>
+            <a:ext cx="7315200" cy="0"/>
+          </a:xfrm>
+          <a:prstGeom prst="rect">
+            <a:avLst/>
+          </a:prstGeom>
+          <a:noFill/>
+          <a:ln/>
+        </p:spPr>
+        <p:txBody>
+          <a:bodyPr wrap="square" rtlCol="0" anchor="t"/>
+          <a:lstStyle/>
+          <a:p>
+            <a:pPr indent="0" marL="0">
+              <a:buNone/>
+            </a:pPr>
+            <a:r>
+              <a:rPr lang="en-US" sz="1500" b="1" dirty="0">
+                <a:solidFill>
+                  <a:srgbClr val="FFFFFF"/>
+                </a:solidFill>
+              </a:rPr>
+              <a:t>Создание Telegram и его философия</a:t>
+            </a:r>
+            <a:endParaRPr lang="en-US" sz="1500" dirty="0"/>
+          </a:p>
+        </p:txBody>
+      </p:sp>
+      <p:sp>
+        <p:nvSpPr>
+          <p:cNvPr id="4" name="Text 2"/>
+          <p:cNvSpPr/>
+          <p:nvPr/>
+        </p:nvSpPr>
+        <p:spPr>
+          <a:xfrm>
+            <a:off x="914400" y="1828800"/>
+            <a:ext cx="7315200" cy="0"/>
+          </a:xfrm>
+          <a:prstGeom prst="rect">
+            <a:avLst/>
+          </a:prstGeom>
+          <a:noFill/>
+          <a:ln/>
+        </p:spPr>
+        <p:txBody>
+          <a:bodyPr wrap="square" rtlCol="0" anchor="t"/>
+          <a:lstStyle/>
+          <a:p>
+            <a:pPr indent="0" marL="0">
+              <a:buNone/>
+            </a:pPr>
+            <a:r>
+              <a:rPr lang="en-US" sz="1166" dirty="0">
+                <a:solidFill>
+                  <a:srgbClr val="FFFFFF"/>
+                </a:solidFill>
+              </a:rPr>
+              <a:t>После ухода из ВКонтакте Павел Дуров сосредоточился на разработке мессенджера Telegram.  В отличие от ВКонтакте, Telegram был задуман как максимально защищенный и приватный мессенджер с открытым исходным кодом.  Это подчеркивало  его принципиальную позицию в отношении  защиты личных данных пользователей и свободы информации.  Telegram быстро завоевал популярность благодаря  своей скорости, надежности и широкому функционалу, включая  возможность создания каналов и групп.  Философия Telegram  отражает стремление Дурова к созданию  простого, удобного и безопасного инструмента коммуникации для всех.</a:t>
+            </a:r>
+            <a:endParaRPr lang="en-US" sz="1166" dirty="0"/>
+          </a:p>
+        </p:txBody>
+      </p:sp>
+    </p:spTree>
+  </p:cSld>
+  <p:clrMapOvr>
+    <a:masterClrMapping/>
+  </p:clrMapOvr>
+</p:sld>
+</file>
+
+<file path=ppt/slides/slide6.xml><?xml version="1.0" encoding="utf-8"?>
+<p:sld xmlns:a="http://schemas.openxmlformats.org/drawingml/2006/main" xmlns:r="http://schemas.openxmlformats.org/officeDocument/2006/relationships" xmlns:p="http://schemas.openxmlformats.org/presentationml/2006/main">
+  <p:cSld name="Slide 6">
+    <p:spTree>
+      <p:nvGrpSpPr>
+        <p:cNvPr id="1" name=""/>
+        <p:cNvGrpSpPr/>
+        <p:nvPr/>
+      </p:nvGrpSpPr>
+      <p:grpSpPr>
+        <a:xfrm>
+          <a:off x="0" y="0"/>
+          <a:ext cx="0" cy="0"/>
+          <a:chOff x="0" y="0"/>
+          <a:chExt cx="0" cy="0"/>
+        </a:xfrm>
+      </p:grpSpPr>
+      <p:sp>
+        <p:nvSpPr>
+          <p:cNvPr id="2" name="Shape 0"/>
+          <p:cNvSpPr/>
+          <p:nvPr/>
+        </p:nvSpPr>
+        <p:spPr>
+          <a:xfrm>
+            <a:off x="0" y="0"/>
+            <a:ext cx="9144000" cy="5143500"/>
+          </a:xfrm>
+          <a:prstGeom prst="rect">
+            <a:avLst/>
+          </a:prstGeom>
+          <a:solidFill>
+            <a:srgbClr val="9013FE"/>
+          </a:solidFill>
+          <a:ln/>
+        </p:spPr>
+      </p:sp>
+      <p:sp>
+        <p:nvSpPr>
+          <p:cNvPr id="3" name="Text 1"/>
+          <p:cNvSpPr/>
+          <p:nvPr/>
+        </p:nvSpPr>
+        <p:spPr>
+          <a:xfrm>
+            <a:off x="914400" y="914400"/>
+            <a:ext cx="7315200" cy="0"/>
+          </a:xfrm>
+          <a:prstGeom prst="rect">
+            <a:avLst/>
+          </a:prstGeom>
+          <a:noFill/>
+          <a:ln/>
+        </p:spPr>
+        <p:txBody>
+          <a:bodyPr wrap="square" rtlCol="0" anchor="t"/>
+          <a:lstStyle/>
+          <a:p>
+            <a:pPr indent="0" marL="0">
+              <a:buNone/>
+            </a:pPr>
+            <a:r>
+              <a:rPr lang="en-US" sz="1500" b="1" dirty="0">
+                <a:solidFill>
+                  <a:srgbClr val="FFFFFF"/>
+                </a:solidFill>
+              </a:rPr>
+              <a:t>Telegram сегодня: успех и перспективы</a:t>
+            </a:r>
+            <a:endParaRPr lang="en-US" sz="1500" dirty="0"/>
+          </a:p>
+        </p:txBody>
+      </p:sp>
+      <p:sp>
+        <p:nvSpPr>
+          <p:cNvPr id="4" name="Text 2"/>
+          <p:cNvSpPr/>
+          <p:nvPr/>
+        </p:nvSpPr>
+        <p:spPr>
+          <a:xfrm>
+            <a:off x="914400" y="1828800"/>
+            <a:ext cx="7315200" cy="0"/>
+          </a:xfrm>
+          <a:prstGeom prst="rect">
+            <a:avLst/>
+          </a:prstGeom>
+          <a:noFill/>
+          <a:ln/>
+        </p:spPr>
+        <p:txBody>
+          <a:bodyPr wrap="square" rtlCol="0" anchor="t"/>
+          <a:lstStyle/>
+          <a:p>
+            <a:pPr indent="0" marL="0">
+              <a:buNone/>
+            </a:pPr>
+            <a:r>
+              <a:rPr lang="en-US" sz="1164" dirty="0">
+                <a:solidFill>
+                  <a:srgbClr val="FFFFFF"/>
+                </a:solidFill>
+              </a:rPr>
+              <a:t>Сегодня Telegram является одним из самых популярных мессенджеров в мире,  имея  сотни миллионов пользователей по всему миру.  Он продолжает развиваться,  добавляя новые функции и возможности.  Успех Telegram  подтверждает  талант и видение Павла Дурова как  основателя и разработчика  успешных  технологических проектов.  Его  приверженность  принципам  приватности и свободы информации  играет  ключевую роль  в  постоянном  росте  популярности  мессенджера.  Дальнейшие перспективы Telegram  выглядят  очень  многообещающе, учитывая  постоянную  работу  над  улучшением  функционала и расширением  аудитории.</a:t>
+            </a:r>
+            <a:endParaRPr lang="en-US" sz="1164" dirty="0"/>
+          </a:p>
+        </p:txBody>
+      </p:sp>
+    </p:spTree>
+  </p:cSld>
+  <p:clrMapOvr>
+    <a:masterClrMapping/>
+  </p:clrMapOvr>
+</p:sld>
+</file>
+
+<file path=ppt/slides/slide7.xml><?xml version="1.0" encoding="utf-8"?>
+<p:sld xmlns:a="http://schemas.openxmlformats.org/drawingml/2006/main" xmlns:r="http://schemas.openxmlformats.org/officeDocument/2006/relationships" xmlns:p="http://schemas.openxmlformats.org/presentationml/2006/main">
+  <p:cSld name="Slide 7">
+    <p:spTree>
+      <p:nvGrpSpPr>
+        <p:cNvPr id="1" name=""/>
+        <p:cNvGrpSpPr/>
+        <p:nvPr/>
+      </p:nvGrpSpPr>
+      <p:grpSpPr>
+        <a:xfrm>
+          <a:off x="0" y="0"/>
+          <a:ext cx="0" cy="0"/>
+          <a:chOff x="0" y="0"/>
+          <a:chExt cx="0" cy="0"/>
+        </a:xfrm>
+      </p:grpSpPr>
+      <p:sp>
+        <p:nvSpPr>
+          <p:cNvPr id="2" name="Shape 0"/>
+          <p:cNvSpPr/>
+          <p:nvPr/>
+        </p:nvSpPr>
+        <p:spPr>
+          <a:xfrm>
+            <a:off x="0" y="0"/>
+            <a:ext cx="9144000" cy="5143500"/>
+          </a:xfrm>
+          <a:prstGeom prst="rect">
+            <a:avLst/>
+          </a:prstGeom>
+          <a:solidFill>
+            <a:srgbClr val="9013FE"/>
+          </a:solidFill>
+          <a:ln/>
+        </p:spPr>
+      </p:sp>
+      <p:sp>
+        <p:nvSpPr>
+          <p:cNvPr id="3" name="Text 1"/>
+          <p:cNvSpPr/>
+          <p:nvPr/>
+        </p:nvSpPr>
+        <p:spPr>
+          <a:xfrm>
+            <a:off x="914400" y="914400"/>
+            <a:ext cx="7315200" cy="0"/>
+          </a:xfrm>
+          <a:prstGeom prst="rect">
+            <a:avLst/>
+          </a:prstGeom>
+          <a:noFill/>
+          <a:ln/>
+        </p:spPr>
+        <p:txBody>
+          <a:bodyPr wrap="square" rtlCol="0" anchor="t"/>
+          <a:lstStyle/>
+          <a:p>
+            <a:pPr indent="0" marL="0">
+              <a:buNone/>
+            </a:pPr>
+            <a:r>
+              <a:rPr lang="en-US" sz="1500" b="1" dirty="0">
+                <a:solidFill>
+                  <a:srgbClr val="FFFFFF"/>
+                </a:solidFill>
+              </a:rPr>
+              <a:t>Дуров как предприниматель и визионер</a:t>
+            </a:r>
+            <a:endParaRPr lang="en-US" sz="1500" dirty="0"/>
+          </a:p>
+        </p:txBody>
+      </p:sp>
+      <p:sp>
+        <p:nvSpPr>
+          <p:cNvPr id="4" name="Text 2"/>
+          <p:cNvSpPr/>
+          <p:nvPr/>
+        </p:nvSpPr>
+        <p:spPr>
+          <a:xfrm>
+            <a:off x="914400" y="1828800"/>
+            <a:ext cx="7315200" cy="0"/>
+          </a:xfrm>
+          <a:prstGeom prst="rect">
+            <a:avLst/>
+          </a:prstGeom>
+          <a:noFill/>
+          <a:ln/>
+        </p:spPr>
+        <p:txBody>
+          <a:bodyPr wrap="square" rtlCol="0" anchor="t"/>
+          <a:lstStyle/>
+          <a:p>
+            <a:pPr indent="0" marL="0">
+              <a:buNone/>
+            </a:pPr>
+            <a:r>
+              <a:rPr lang="en-US" sz="1165" dirty="0">
+                <a:solidFill>
+                  <a:srgbClr val="FFFFFF"/>
+                </a:solidFill>
+              </a:rPr>
+              <a:t>История Павла Дурова — это пример  успешного сочетания  технологического таланта,  предпринимательской хватки  и  ярко выраженного  визионерского мышления.  Его  способность  предвидеть  будущие  тренды  и  создавать  продукты,  которые  отвечают  на  потребности  миллионов  пользователей,  делает  его  одной из  самых  влиятельных  фигур  в  мире  технологий.  Дуров  не  боится  рисковать  и  идти  против  течения,  что  часто  приводит  к  поразительным  результатам.  Его  образ  как  независимого  и  ориентированного  на  пользователя  разработчика  вдохновляет  многих  молодых  предпринимателей.</a:t>
+            </a:r>
+            <a:endParaRPr lang="en-US" sz="1165" dirty="0"/>
+          </a:p>
+        </p:txBody>
+      </p:sp>
+    </p:spTree>
+  </p:cSld>
+  <p:clrMapOvr>
+    <a:masterClrMapping/>
+  </p:clrMapOvr>
+</p:sld>
+</file>
+
+<file path=ppt/slides/slide8.xml><?xml version="1.0" encoding="utf-8"?>
+<p:sld xmlns:a="http://schemas.openxmlformats.org/drawingml/2006/main" xmlns:r="http://schemas.openxmlformats.org/officeDocument/2006/relationships" xmlns:p="http://schemas.openxmlformats.org/presentationml/2006/main">
+  <p:cSld name="Slide 8">
+    <p:spTree>
+      <p:nvGrpSpPr>
+        <p:cNvPr id="1" name=""/>
+        <p:cNvGrpSpPr/>
+        <p:nvPr/>
+      </p:nvGrpSpPr>
+      <p:grpSpPr>
+        <a:xfrm>
+          <a:off x="0" y="0"/>
+          <a:ext cx="0" cy="0"/>
+          <a:chOff x="0" y="0"/>
+          <a:chExt cx="0" cy="0"/>
+        </a:xfrm>
+      </p:grpSpPr>
+      <p:sp>
+        <p:nvSpPr>
+          <p:cNvPr id="2" name="Shape 0"/>
+          <p:cNvSpPr/>
+          <p:nvPr/>
+        </p:nvSpPr>
+        <p:spPr>
+          <a:xfrm>
+            <a:off x="0" y="0"/>
+            <a:ext cx="9144000" cy="5143500"/>
+          </a:xfrm>
+          <a:prstGeom prst="rect">
+            <a:avLst/>
+          </a:prstGeom>
+          <a:solidFill>
+            <a:srgbClr val="9013FE"/>
+          </a:solidFill>
+          <a:ln/>
+        </p:spPr>
+      </p:sp>
+      <p:sp>
+        <p:nvSpPr>
+          <p:cNvPr id="3" name="Text 1"/>
+          <p:cNvSpPr/>
+          <p:nvPr/>
+        </p:nvSpPr>
+        <p:spPr>
+          <a:xfrm>
+            <a:off x="914400" y="914400"/>
+            <a:ext cx="7315200" cy="0"/>
+          </a:xfrm>
+          <a:prstGeom prst="rect">
+            <a:avLst/>
+          </a:prstGeom>
+          <a:noFill/>
+          <a:ln/>
+        </p:spPr>
+        <p:txBody>
+          <a:bodyPr wrap="square" rtlCol="0" anchor="t"/>
+          <a:lstStyle/>
+          <a:p>
+            <a:pPr indent="0" marL="0">
+              <a:buNone/>
+            </a:pPr>
+            <a:r>
+              <a:rPr lang="en-US" sz="1500" b="1" dirty="0">
+                <a:solidFill>
+                  <a:srgbClr val="FFFFFF"/>
+                </a:solidFill>
+              </a:rPr>
+              <a:t>Заключение: Наследие Дурова</a:t>
+            </a:r>
+            <a:endParaRPr lang="en-US" sz="1500" dirty="0"/>
+          </a:p>
+        </p:txBody>
+      </p:sp>
+      <p:sp>
+        <p:nvSpPr>
+          <p:cNvPr id="4" name="Text 2"/>
+          <p:cNvSpPr/>
+          <p:nvPr/>
+        </p:nvSpPr>
+        <p:spPr>
+          <a:xfrm>
+            <a:off x="914400" y="1828800"/>
+            <a:ext cx="7315200" cy="0"/>
+          </a:xfrm>
+          <a:prstGeom prst="rect">
+            <a:avLst/>
+          </a:prstGeom>
+          <a:noFill/>
+          <a:ln/>
+        </p:spPr>
+        <p:txBody>
+          <a:bodyPr wrap="square" rtlCol="0" anchor="t"/>
+          <a:lstStyle/>
+          <a:p>
+            <a:pPr indent="0" marL="0">
+              <a:buNone/>
+            </a:pPr>
+            <a:r>
+              <a:rPr lang="en-US" sz="1184" dirty="0">
+                <a:solidFill>
+                  <a:srgbClr val="FFFFFF"/>
+                </a:solidFill>
+              </a:rPr>
+              <a:t>Павел Дуров оставил значительный след в истории развития интернета и социальных сетей.  Его проекты — ВКонтакте и Telegram —  изменили  способ  общения  миллионов  людей по всему миру.  Его  наследие  —  это  не  только  популярные  продукты,  но  и  приверженность  идеалам  свободы  слова  и  защиты  личных  данных,  что  остается  важным  посланием  для  современного  цифрового  мира.  Его  история  является  ярким  примером  того, как  талант,  настойчивость  и  верность  своим  принципам  могут  привести  к  потрясающим  результатам.</a:t>
+            </a:r>
+            <a:endParaRPr lang="en-US" sz="1184" dirty="0"/>
           </a:p>
         </p:txBody>
       </p:sp>

--- a/storage/MEP_BOP.pptx
+++ b/storage/MEP_BOP.pptx
@@ -1536,14 +1536,14 @@
               <a:buNone/>
             </a:pPr>
             <a:r>
-              <a:rPr lang="en-US" sz="2190" b="1" dirty="0">
+              <a:rPr lang="en-US" sz="2400" b="1" dirty="0">
                 <a:solidFill>
                   <a:srgbClr val="FFFFFF"/>
                 </a:solidFill>
               </a:rPr>
-              <a:t>Павел Дуров: Путь от ВКонтакте до Telegram</a:t>
-            </a:r>
-            <a:endParaRPr lang="en-US" sz="2190" dirty="0"/>
+              <a:t>Эффективная презентация: пример</a:t>
+            </a:r>
+            <a:endParaRPr lang="en-US" sz="2400" dirty="0"/>
           </a:p>
         </p:txBody>
       </p:sp>
@@ -1646,7 +1646,7 @@
                   <a:srgbClr val="FFFFFF"/>
                 </a:solidFill>
               </a:rPr>
-              <a:t>Ранние годы и образование</a:t>
+              <a:t>Введение: Что такое эффективная презентация?</a:t>
             </a:r>
             <a:endParaRPr lang="en-US" sz="1500" dirty="0"/>
           </a:p>
@@ -1677,14 +1677,14 @@
               <a:buNone/>
             </a:pPr>
             <a:r>
-              <a:rPr lang="en-US" sz="1143" dirty="0">
+              <a:rPr lang="en-US" sz="1170" dirty="0">
                 <a:solidFill>
                   <a:srgbClr val="FFFFFF"/>
                 </a:solidFill>
               </a:rPr>
-              <a:t>Павел Валерьевич Дуров родился 10 октября 1984 года в Ленинграде.  Его отец, Валерий Дуров, был профессором Санкт-Петербургского государственного университета, что, несомненно, повлияло на формирование интереса Павла к технологиям и образованию.  Он получил образование в престижной Академической гимназии, а затем поступил в Санкт-Петербургский государственный университет на факультет филологии,  продемонстрировав выдающиеся способности в области программирования еще во время учебы.  Уже тогда он проявил себя как талантливый разработчик, создавая различные проекты и участвуя в программистских олимпиадах.  Его стремление к инновациям и независимости  заложило основу для его будущих достижений.</a:t>
-            </a:r>
-            <a:endParaRPr lang="en-US" sz="1143" dirty="0"/>
+              <a:t>Эффективная презентация – это не просто набор слайдов, это цельное повествование, которое увлекает аудиторию и оставляет запоминающееся впечатление.  Ключевые элементы включают в себя четкую структуру, лаконичный текст, визуальные элементы и умение презентовать информацию.  Важно учитывать целевую аудиторию и адаптировать презентацию под её особенности. Не забывайте о  языке тела и уверенности в себе – это играет значительную роль в успехе вашей презентации.  В этой презентации мы рассмотрим ключевые аспекты создания эффективной презентации, которые помогут вам достичь ваших целей.</a:t>
+            </a:r>
+            <a:endParaRPr lang="en-US" sz="1170" dirty="0"/>
           </a:p>
         </p:txBody>
       </p:sp>
@@ -1763,7 +1763,7 @@
                   <a:srgbClr val="FFFFFF"/>
                 </a:solidFill>
               </a:rPr>
-              <a:t>Создание ВКонтакте и его взлет</a:t>
+              <a:t>Структура презентации:  построение повествования</a:t>
             </a:r>
             <a:endParaRPr lang="en-US" sz="1500" dirty="0"/>
           </a:p>
@@ -1794,14 +1794,14 @@
               <a:buNone/>
             </a:pPr>
             <a:r>
-              <a:rPr lang="en-US" sz="1128" dirty="0">
+              <a:rPr lang="en-US" sz="1169" dirty="0">
                 <a:solidFill>
                   <a:srgbClr val="FFFFFF"/>
                 </a:solidFill>
               </a:rPr>
-              <a:t>В 2006 году Павел Дуров вместе со своим братом Николаем основал социальную сеть ВКонтакте.  Идея создания  национальной социальной сети, которая бы конкурировала с зарубежными аналогами,  была очень амбициозной.  Благодаря инновационному подходу к дизайну и функциональности, а также грамотной маркетинговой стратегии,  ВКонтакте быстро завоевала огромную популярность в России и странах СНГ.  За короткий срок она стала одной из крупнейших социальных сетей в мире,  собирая миллионы пользователей.  Успех ВКонтакте был обусловлен  не только технической составляющей, но и умением Дурова  чувствовать потребности аудитории и создавать продукт, который действительно ей нравится. Эта платформа стала не просто средством общения, но и настоящей культурной и информационной площадкой.</a:t>
-            </a:r>
-            <a:endParaRPr lang="en-US" sz="1128" dirty="0"/>
+              <a:t>Хорошо структурированная презентация – это залог успеха. Начните с  вступления, где вы обозначите тему и цели презентации.  Затем переходите к основной части, разбив ее на логические блоки с использованием заголовков и подзаголовков.  Каждый блок должен раскрывать определенную тему,  логично связанную с предыдущим и последующим.  Используйте  переходы между блоками, чтобы  подчеркнуть связь между идеями.  Завершите презентацию  выводами и ответами на возможные вопросы аудитории.  Помните о принципе KISS (Keep It Simple, Stupid) -  избегайте излишней информации и сложных формулировок.</a:t>
+            </a:r>
+            <a:endParaRPr lang="en-US" sz="1169" dirty="0"/>
           </a:p>
         </p:txBody>
       </p:sp>
@@ -1880,7 +1880,7 @@
                   <a:srgbClr val="FFFFFF"/>
                 </a:solidFill>
               </a:rPr>
-              <a:t>Конфликты и уход из ВКонтакте</a:t>
+              <a:t>Визуализация данных:  иллюстрации и графика</a:t>
             </a:r>
             <a:endParaRPr lang="en-US" sz="1500" dirty="0"/>
           </a:p>
@@ -1911,14 +1911,14 @@
               <a:buNone/>
             </a:pPr>
             <a:r>
-              <a:rPr lang="en-US" sz="1163" dirty="0">
+              <a:rPr lang="en-US" sz="1212" dirty="0">
                 <a:solidFill>
                   <a:srgbClr val="FFFFFF"/>
                 </a:solidFill>
               </a:rPr>
-              <a:t>Успех ВКонтакте привлек внимание инвесторов и властей.  Впоследствии возникли конфликты между Павлом Дуровым и руководством компании, связанные с  контролем над проектом и его дальнейшим развитием.  Дуров всегда ценил независимость и свободу слова, что не всегда совпадало с интересами акционеров и политическими реалиями.   В результате  в 2014 году он покинул пост генерального директора ВКонтакте, продав свою долю и сохранив при этом  свою репутацию  как  талантливого и независимого разработчика.  Этот уход стал поворотным моментом в его жизни и истории развития одной из крупнейших социальных сетей России.</a:t>
-            </a:r>
-            <a:endParaRPr lang="en-US" sz="1163" dirty="0"/>
+              <a:t>Визуальные элементы играют ключевую роль в эффективной презентации. Используйте  графики, диаграммы, изображения и видео для иллюстрации данных и  улучшения восприятия информации.  Графики должны быть понятными и  легко читаемыми.  Избегайте  перегрузки слайдов  излишними деталями.  Выбирайте качественные изображения, которые соответствуют теме презентации и  поддерживают ваше повествование.  Помните, что визуальные элементы должны дополнять текст, а не заменять его.</a:t>
+            </a:r>
+            <a:endParaRPr lang="en-US" sz="1212" dirty="0"/>
           </a:p>
         </p:txBody>
       </p:sp>
@@ -1997,7 +1997,7 @@
                   <a:srgbClr val="FFFFFF"/>
                 </a:solidFill>
               </a:rPr>
-              <a:t>Создание Telegram и его философия</a:t>
+              <a:t>Текст и шрифты:  читаемость и лаконичность</a:t>
             </a:r>
             <a:endParaRPr lang="en-US" sz="1500" dirty="0"/>
           </a:p>
@@ -2028,14 +2028,14 @@
               <a:buNone/>
             </a:pPr>
             <a:r>
-              <a:rPr lang="en-US" sz="1166" dirty="0">
+              <a:rPr lang="en-US" sz="1236" dirty="0">
                 <a:solidFill>
                   <a:srgbClr val="FFFFFF"/>
                 </a:solidFill>
               </a:rPr>
-              <a:t>После ухода из ВКонтакте Павел Дуров сосредоточился на разработке мессенджера Telegram.  В отличие от ВКонтакте, Telegram был задуман как максимально защищенный и приватный мессенджер с открытым исходным кодом.  Это подчеркивало  его принципиальную позицию в отношении  защиты личных данных пользователей и свободы информации.  Telegram быстро завоевал популярность благодаря  своей скорости, надежности и широкому функционалу, включая  возможность создания каналов и групп.  Философия Telegram  отражает стремление Дурова к созданию  простого, удобного и безопасного инструмента коммуникации для всех.</a:t>
-            </a:r>
-            <a:endParaRPr lang="en-US" sz="1166" dirty="0"/>
+              <a:t>Текст на слайдах должен быть лаконичным и легко читаемым.  Используйте  большие шрифты и  достаточно  пространства между строками.  Избегайте  сложных  предложений и  технических терминов, если это возможно.  Выделяйте ключевые моменты  жирным шрифтом или  другими средствами форматирования.  Помните, что слайды – это лишь  опора для вашей презентации, а не её основной текст.  Основная информация должна  излагаться устно.</a:t>
+            </a:r>
+            <a:endParaRPr lang="en-US" sz="1236" dirty="0"/>
           </a:p>
         </p:txBody>
       </p:sp>
@@ -2114,7 +2114,7 @@
                   <a:srgbClr val="FFFFFF"/>
                 </a:solidFill>
               </a:rPr>
-              <a:t>Telegram сегодня: успех и перспективы</a:t>
+              <a:t>Подготовка и репетиция:  уверенность и успех</a:t>
             </a:r>
             <a:endParaRPr lang="en-US" sz="1500" dirty="0"/>
           </a:p>
@@ -2145,14 +2145,14 @@
               <a:buNone/>
             </a:pPr>
             <a:r>
-              <a:rPr lang="en-US" sz="1164" dirty="0">
+              <a:rPr lang="en-US" sz="1218" dirty="0">
                 <a:solidFill>
                   <a:srgbClr val="FFFFFF"/>
                 </a:solidFill>
               </a:rPr>
-              <a:t>Сегодня Telegram является одним из самых популярных мессенджеров в мире,  имея  сотни миллионов пользователей по всему миру.  Он продолжает развиваться,  добавляя новые функции и возможности.  Успех Telegram  подтверждает  талант и видение Павла Дурова как  основателя и разработчика  успешных  технологических проектов.  Его  приверженность  принципам  приватности и свободы информации  играет  ключевую роль  в  постоянном  росте  популярности  мессенджера.  Дальнейшие перспективы Telegram  выглядят  очень  многообещающе, учитывая  постоянную  работу  над  улучшением  функционала и расширением  аудитории.</a:t>
-            </a:r>
-            <a:endParaRPr lang="en-US" sz="1164" dirty="0"/>
+              <a:t>Тщательная подготовка – залог успеха любой презентации.  Прорепетируйте выступление несколько раз, чтобы  уверенно чувствовать себя перед аудиторией.  Проверьте все технические аспекты,  убедитесь, что  все слайды отображаются корректно.  Заранее подготовьте ответы на возможные вопросы аудитории.  Помните, что  уверенность в себе  передается аудитории и  влияет на  восприятие вашей презентации.  Отработка тайминга поможет вам уложиться в отведенное время.</a:t>
+            </a:r>
+            <a:endParaRPr lang="en-US" sz="1218" dirty="0"/>
           </a:p>
         </p:txBody>
       </p:sp>
@@ -2231,7 +2231,7 @@
                   <a:srgbClr val="FFFFFF"/>
                 </a:solidFill>
               </a:rPr>
-              <a:t>Дуров как предприниматель и визионер</a:t>
+              <a:t>Обратная связь:  анализ и улучшение</a:t>
             </a:r>
             <a:endParaRPr lang="en-US" sz="1500" dirty="0"/>
           </a:p>
@@ -2262,14 +2262,14 @@
               <a:buNone/>
             </a:pPr>
             <a:r>
-              <a:rPr lang="en-US" sz="1165" dirty="0">
+              <a:rPr lang="en-US" sz="1258" dirty="0">
                 <a:solidFill>
                   <a:srgbClr val="FFFFFF"/>
                 </a:solidFill>
               </a:rPr>
-              <a:t>История Павла Дурова — это пример  успешного сочетания  технологического таланта,  предпринимательской хватки  и  ярко выраженного  визионерского мышления.  Его  способность  предвидеть  будущие  тренды  и  создавать  продукты,  которые  отвечают  на  потребности  миллионов  пользователей,  делает  его  одной из  самых  влиятельных  фигур  в  мире  технологий.  Дуров  не  боится  рисковать  и  идти  против  течения,  что  часто  приводит  к  поразительным  результатам.  Его  образ  как  независимого  и  ориентированного  на  пользователя  разработчика  вдохновляет  многих  молодых  предпринимателей.</a:t>
-            </a:r>
-            <a:endParaRPr lang="en-US" sz="1165" dirty="0"/>
+              <a:t>После презентации важно получить обратную связь от аудитории.  Это поможет вам  определить сильные и слабые стороны вашего выступления и  улучшить  ваши навыки презентации в будущем.  Обращайте внимание на  комментарии и  предложения,  анализируйте  что сработало хорошо, а  что  можно улучшить.  Не бойтесь экспериментировать и  искать новые  способы  донести информацию  до  аудитории.</a:t>
+            </a:r>
+            <a:endParaRPr lang="en-US" sz="1258" dirty="0"/>
           </a:p>
         </p:txBody>
       </p:sp>
@@ -2348,7 +2348,7 @@
                   <a:srgbClr val="FFFFFF"/>
                 </a:solidFill>
               </a:rPr>
-              <a:t>Заключение: Наследие Дурова</a:t>
+              <a:t>Заключение:  к эффективной презентации</a:t>
             </a:r>
             <a:endParaRPr lang="en-US" sz="1500" dirty="0"/>
           </a:p>
@@ -2379,14 +2379,14 @@
               <a:buNone/>
             </a:pPr>
             <a:r>
-              <a:rPr lang="en-US" sz="1184" dirty="0">
+              <a:rPr lang="en-US" sz="1234" dirty="0">
                 <a:solidFill>
                   <a:srgbClr val="FFFFFF"/>
                 </a:solidFill>
               </a:rPr>
-              <a:t>Павел Дуров оставил значительный след в истории развития интернета и социальных сетей.  Его проекты — ВКонтакте и Telegram —  изменили  способ  общения  миллионов  людей по всему миру.  Его  наследие  —  это  не  только  популярные  продукты,  но  и  приверженность  идеалам  свободы  слова  и  защиты  личных  данных,  что  остается  важным  посланием  для  современного  цифрового  мира.  Его  история  является  ярким  примером  того, как  талант,  настойчивость  и  верность  своим  принципам  могут  привести  к  потрясающим  результатам.</a:t>
-            </a:r>
-            <a:endParaRPr lang="en-US" sz="1184" dirty="0"/>
+              <a:t>Создание эффективной презентации – это  творческий и  интересный процесс, который требует  внимания к деталям и  постоянной практики.  Следуя  рекомендациям,  изложенным в  этой презентации,  вы сможете  создавать  увлекательные и  запоминающиеся презентации, которые  помогут вам  достичь  ваших  целей.  Помните, что  ключ к успеху – это  четкая структура,  лаконичный текст,  качественная визуализация и  уверенность в себе.</a:t>
+            </a:r>
+            <a:endParaRPr lang="en-US" sz="1234" dirty="0"/>
           </a:p>
         </p:txBody>
       </p:sp>
